--- a/Design_Docs/Planning-Diagram.pptx
+++ b/Design_Docs/Planning-Diagram.pptx
@@ -107,6 +107,11 @@
       </a:defRPr>
     </a:lvl9pPr>
   </p:defaultTextStyle>
+  <p:extLst>
+    <p:ext uri="{EFAFB233-063F-42B5-8137-9DF3F51BA10A}">
+      <p15:sldGuideLst xmlns:p15="http://schemas.microsoft.com/office/powerpoint/2012/main"/>
+    </p:ext>
+  </p:extLst>
 </p:presentation>
 </file>
 
@@ -259,7 +264,7 @@
           <a:p>
             <a:fld id="{DE4066DC-DFFF-42FC-B480-50A8DBDB83A8}" type="datetimeFigureOut">
               <a:rPr lang="en-IN" smtClean="0"/>
-              <a:t>26-05-2024</a:t>
+              <a:t>26/05/24</a:t>
             </a:fld>
             <a:endParaRPr lang="en-IN"/>
           </a:p>
@@ -459,7 +464,7 @@
           <a:p>
             <a:fld id="{DE4066DC-DFFF-42FC-B480-50A8DBDB83A8}" type="datetimeFigureOut">
               <a:rPr lang="en-IN" smtClean="0"/>
-              <a:t>26-05-2024</a:t>
+              <a:t>26/05/24</a:t>
             </a:fld>
             <a:endParaRPr lang="en-IN"/>
           </a:p>
@@ -669,7 +674,7 @@
           <a:p>
             <a:fld id="{DE4066DC-DFFF-42FC-B480-50A8DBDB83A8}" type="datetimeFigureOut">
               <a:rPr lang="en-IN" smtClean="0"/>
-              <a:t>26-05-2024</a:t>
+              <a:t>26/05/24</a:t>
             </a:fld>
             <a:endParaRPr lang="en-IN"/>
           </a:p>
@@ -869,7 +874,7 @@
           <a:p>
             <a:fld id="{DE4066DC-DFFF-42FC-B480-50A8DBDB83A8}" type="datetimeFigureOut">
               <a:rPr lang="en-IN" smtClean="0"/>
-              <a:t>26-05-2024</a:t>
+              <a:t>26/05/24</a:t>
             </a:fld>
             <a:endParaRPr lang="en-IN"/>
           </a:p>
@@ -1145,7 +1150,7 @@
           <a:p>
             <a:fld id="{DE4066DC-DFFF-42FC-B480-50A8DBDB83A8}" type="datetimeFigureOut">
               <a:rPr lang="en-IN" smtClean="0"/>
-              <a:t>26-05-2024</a:t>
+              <a:t>26/05/24</a:t>
             </a:fld>
             <a:endParaRPr lang="en-IN"/>
           </a:p>
@@ -1413,7 +1418,7 @@
           <a:p>
             <a:fld id="{DE4066DC-DFFF-42FC-B480-50A8DBDB83A8}" type="datetimeFigureOut">
               <a:rPr lang="en-IN" smtClean="0"/>
-              <a:t>26-05-2024</a:t>
+              <a:t>26/05/24</a:t>
             </a:fld>
             <a:endParaRPr lang="en-IN"/>
           </a:p>
@@ -1828,7 +1833,7 @@
           <a:p>
             <a:fld id="{DE4066DC-DFFF-42FC-B480-50A8DBDB83A8}" type="datetimeFigureOut">
               <a:rPr lang="en-IN" smtClean="0"/>
-              <a:t>26-05-2024</a:t>
+              <a:t>26/05/24</a:t>
             </a:fld>
             <a:endParaRPr lang="en-IN"/>
           </a:p>
@@ -1970,7 +1975,7 @@
           <a:p>
             <a:fld id="{DE4066DC-DFFF-42FC-B480-50A8DBDB83A8}" type="datetimeFigureOut">
               <a:rPr lang="en-IN" smtClean="0"/>
-              <a:t>26-05-2024</a:t>
+              <a:t>26/05/24</a:t>
             </a:fld>
             <a:endParaRPr lang="en-IN"/>
           </a:p>
@@ -2083,7 +2088,7 @@
           <a:p>
             <a:fld id="{DE4066DC-DFFF-42FC-B480-50A8DBDB83A8}" type="datetimeFigureOut">
               <a:rPr lang="en-IN" smtClean="0"/>
-              <a:t>26-05-2024</a:t>
+              <a:t>26/05/24</a:t>
             </a:fld>
             <a:endParaRPr lang="en-IN"/>
           </a:p>
@@ -2396,7 +2401,7 @@
           <a:p>
             <a:fld id="{DE4066DC-DFFF-42FC-B480-50A8DBDB83A8}" type="datetimeFigureOut">
               <a:rPr lang="en-IN" smtClean="0"/>
-              <a:t>26-05-2024</a:t>
+              <a:t>26/05/24</a:t>
             </a:fld>
             <a:endParaRPr lang="en-IN"/>
           </a:p>
@@ -2685,7 +2690,7 @@
           <a:p>
             <a:fld id="{DE4066DC-DFFF-42FC-B480-50A8DBDB83A8}" type="datetimeFigureOut">
               <a:rPr lang="en-IN" smtClean="0"/>
-              <a:t>26-05-2024</a:t>
+              <a:t>26/05/24</a:t>
             </a:fld>
             <a:endParaRPr lang="en-IN"/>
           </a:p>
@@ -2928,7 +2933,7 @@
           <a:p>
             <a:fld id="{DE4066DC-DFFF-42FC-B480-50A8DBDB83A8}" type="datetimeFigureOut">
               <a:rPr lang="en-IN" smtClean="0"/>
-              <a:t>26-05-2024</a:t>
+              <a:t>26/05/24</a:t>
             </a:fld>
             <a:endParaRPr lang="en-IN"/>
           </a:p>
@@ -4099,8 +4104,8 @@
         </p:nvSpPr>
         <p:spPr>
           <a:xfrm>
-            <a:off x="6366296" y="2691442"/>
-            <a:ext cx="2070338" cy="276999"/>
+            <a:off x="6366295" y="2691442"/>
+            <a:ext cx="2708693" cy="276999"/>
           </a:xfrm>
           <a:prstGeom prst="rect">
             <a:avLst/>
@@ -4115,15 +4120,7 @@
           <a:p>
             <a:r>
               <a:rPr lang="en-IN" sz="1200" dirty="0"/>
-              <a:t>Parameters, </a:t>
-            </a:r>
-            <a:r>
-              <a:rPr lang="en-IN" sz="1200" dirty="0" err="1"/>
-              <a:t>matrics</a:t>
-            </a:r>
-            <a:r>
-              <a:rPr lang="en-IN" sz="1200" dirty="0"/>
-              <a:t> , artifacts</a:t>
+              <a:t>Parameters, matrices , artifacts</a:t>
             </a:r>
           </a:p>
         </p:txBody>
